--- a/4_Onderhoudsprocedures/Presentation.pptx
+++ b/4_Onderhoudsprocedures/Presentation.pptx
@@ -26,16 +26,16 @@
   <p:notesSz cx="6858000" cy="9144000"/>
   <p:embeddedFontLst>
     <p:embeddedFont>
-      <p:font typeface="Dosis" panose="020B0604020202020204" charset="0"/>
+      <p:font typeface="Roboto" panose="020B0604020202020204" charset="0"/>
       <p:regular r:id="rId16"/>
       <p:bold r:id="rId17"/>
+      <p:italic r:id="rId18"/>
+      <p:boldItalic r:id="rId19"/>
     </p:embeddedFont>
     <p:embeddedFont>
-      <p:font typeface="Roboto" panose="020B0604020202020204" charset="0"/>
-      <p:regular r:id="rId18"/>
-      <p:bold r:id="rId19"/>
-      <p:italic r:id="rId20"/>
-      <p:boldItalic r:id="rId21"/>
+      <p:font typeface="Dosis" panose="020B0604020202020204" charset="0"/>
+      <p:regular r:id="rId20"/>
+      <p:bold r:id="rId21"/>
     </p:embeddedFont>
   </p:embeddedFontLst>
   <p:defaultTextStyle>
@@ -2968,7 +2968,7 @@
             </a:pPr>
             <a:fld id="{00000000-1234-1234-1234-123412341234}" type="slidenum">
               <a:rPr lang="en"/>
-              <a:t>‹nr.›</a:t>
+              <a:t>‹#›</a:t>
             </a:fld>
             <a:endParaRPr lang="en"/>
           </a:p>
@@ -3625,7 +3625,7 @@
             </a:pPr>
             <a:fld id="{00000000-1234-1234-1234-123412341234}" type="slidenum">
               <a:rPr lang="en"/>
-              <a:t>‹nr.›</a:t>
+              <a:t>‹#›</a:t>
             </a:fld>
             <a:endParaRPr lang="en"/>
           </a:p>
@@ -4013,7 +4013,7 @@
             </a:pPr>
             <a:fld id="{00000000-1234-1234-1234-123412341234}" type="slidenum">
               <a:rPr lang="en"/>
-              <a:t>‹nr.›</a:t>
+              <a:t>‹#›</a:t>
             </a:fld>
             <a:endParaRPr lang="en"/>
           </a:p>
@@ -4245,7 +4245,7 @@
             </a:pPr>
             <a:fld id="{00000000-1234-1234-1234-123412341234}" type="slidenum">
               <a:rPr lang="en"/>
-              <a:t>‹nr.›</a:t>
+              <a:t>‹#›</a:t>
             </a:fld>
             <a:endParaRPr lang="en"/>
           </a:p>
@@ -4753,7 +4753,7 @@
                 <a:cs typeface="Roboto"/>
                 <a:sym typeface="Roboto"/>
               </a:rPr>
-              <a:t>‹nr.›</a:t>
+              <a:t>‹#›</a:t>
             </a:fld>
             <a:endParaRPr lang="en" sz="1300" b="1">
               <a:solidFill>
@@ -9813,6 +9813,75 @@
                 <a:spcPts val="0"/>
               </a:spcBef>
             </a:pPr>
+            <a:r>
+              <a:rPr lang="en-US" dirty="0" err="1"/>
+              <a:t>Installationprocedures</a:t>
+            </a:r>
+            <a:endParaRPr lang="en-US" dirty="0"/>
+          </a:p>
+          <a:p>
+            <a:pPr marL="457200" lvl="0" indent="-228600" rtl="0">
+              <a:spcBef>
+                <a:spcPts val="0"/>
+              </a:spcBef>
+            </a:pPr>
+            <a:r>
+              <a:rPr lang="en-US" dirty="0"/>
+              <a:t>Incident </a:t>
+            </a:r>
+            <a:r>
+              <a:rPr lang="en-US" dirty="0" err="1"/>
+              <a:t>handeling</a:t>
+            </a:r>
+            <a:endParaRPr lang="en-US" dirty="0"/>
+          </a:p>
+          <a:p>
+            <a:pPr marL="457200" lvl="0" indent="-228600" rtl="0">
+              <a:spcBef>
+                <a:spcPts val="0"/>
+              </a:spcBef>
+            </a:pPr>
+            <a:r>
+              <a:rPr lang="en-US" dirty="0"/>
+              <a:t>Register</a:t>
+            </a:r>
+          </a:p>
+          <a:p>
+            <a:pPr marL="457200" lvl="0" indent="-228600" rtl="0">
+              <a:spcBef>
+                <a:spcPts val="0"/>
+              </a:spcBef>
+            </a:pPr>
+            <a:r>
+              <a:rPr lang="en-US" dirty="0"/>
+              <a:t>External helpdesk</a:t>
+            </a:r>
+            <a:endParaRPr lang="en" dirty="0"/>
+          </a:p>
+          <a:p>
+            <a:pPr marL="457200" indent="-228600"/>
+            <a:r>
+              <a:rPr lang="en-US" dirty="0"/>
+              <a:t>Amendment procedure</a:t>
+            </a:r>
+          </a:p>
+          <a:p>
+            <a:pPr marL="457200" lvl="0" indent="-228600" rtl="0">
+              <a:spcBef>
+                <a:spcPts val="0"/>
+              </a:spcBef>
+            </a:pPr>
+            <a:r>
+              <a:rPr lang="en-US" dirty="0"/>
+              <a:t>Form</a:t>
+            </a:r>
+          </a:p>
+          <a:p>
+            <a:pPr marL="457200" lvl="0" indent="-228600" rtl="0">
+              <a:spcBef>
+                <a:spcPts val="0"/>
+              </a:spcBef>
+            </a:pPr>
             <a:endParaRPr lang="en" dirty="0"/>
           </a:p>
         </p:txBody>

--- a/4_Onderhoudsprocedures/Presentation.pptx
+++ b/4_Onderhoudsprocedures/Presentation.pptx
@@ -902,7 +902,7 @@
               </a:spcBef>
               <a:buNone/>
             </a:pPr>
-            <a:endParaRPr/>
+            <a:endParaRPr dirty="0"/>
           </a:p>
         </p:txBody>
       </p:sp>
@@ -2968,7 +2968,7 @@
             </a:pPr>
             <a:fld id="{00000000-1234-1234-1234-123412341234}" type="slidenum">
               <a:rPr lang="en"/>
-              <a:t>‹#›</a:t>
+              <a:t>‹nr.›</a:t>
             </a:fld>
             <a:endParaRPr lang="en"/>
           </a:p>
@@ -3625,7 +3625,7 @@
             </a:pPr>
             <a:fld id="{00000000-1234-1234-1234-123412341234}" type="slidenum">
               <a:rPr lang="en"/>
-              <a:t>‹#›</a:t>
+              <a:t>‹nr.›</a:t>
             </a:fld>
             <a:endParaRPr lang="en"/>
           </a:p>
@@ -4013,7 +4013,7 @@
             </a:pPr>
             <a:fld id="{00000000-1234-1234-1234-123412341234}" type="slidenum">
               <a:rPr lang="en"/>
-              <a:t>‹#›</a:t>
+              <a:t>‹nr.›</a:t>
             </a:fld>
             <a:endParaRPr lang="en"/>
           </a:p>
@@ -4245,7 +4245,7 @@
             </a:pPr>
             <a:fld id="{00000000-1234-1234-1234-123412341234}" type="slidenum">
               <a:rPr lang="en"/>
-              <a:t>‹#›</a:t>
+              <a:t>‹nr.›</a:t>
             </a:fld>
             <a:endParaRPr lang="en"/>
           </a:p>
@@ -4753,7 +4753,7 @@
                 <a:cs typeface="Roboto"/>
                 <a:sym typeface="Roboto"/>
               </a:rPr>
-              <a:t>‹#›</a:t>
+              <a:t>‹nr.›</a:t>
             </a:fld>
             <a:endParaRPr lang="en" sz="1300" b="1">
               <a:solidFill>
@@ -6795,7 +6795,7 @@
         </p:nvSpPr>
         <p:spPr>
           <a:xfrm>
-            <a:off x="1104900" y="2433975"/>
+            <a:off x="1643171" y="1510988"/>
             <a:ext cx="3625200" cy="2112600"/>
           </a:xfrm>
           <a:prstGeom prst="rect">
@@ -6808,16 +6808,54 @@
           </a:bodyPr>
           <a:lstStyle/>
           <a:p>
-            <a:pPr lvl="0" rtl="0">
-              <a:spcBef>
-                <a:spcPts val="0"/>
-              </a:spcBef>
+            <a:pPr marL="342900" indent="-342900"/>
+            <a:r>
+              <a:rPr lang="nl-NL" sz="2000" dirty="0" err="1"/>
+              <a:t>Archiving</a:t>
+            </a:r>
+            <a:endParaRPr lang="nl-NL" sz="2000" dirty="0"/>
+          </a:p>
+          <a:p>
+            <a:pPr marL="342900" indent="-342900"/>
+            <a:r>
+              <a:rPr lang="nl-NL" sz="2000" dirty="0"/>
+              <a:t>Back-Up</a:t>
+            </a:r>
+          </a:p>
+          <a:p>
+            <a:pPr>
               <a:buNone/>
             </a:pPr>
             <a:r>
-              <a:rPr lang="en" sz="2000" dirty="0"/>
-              <a:t>GE MOET HIER TEXT DOUWE KUT</a:t>
+              <a:rPr lang="en-GB" sz="2000" dirty="0"/>
+              <a:t>	</a:t>
             </a:r>
+            <a:r>
+              <a:rPr lang="en-GB" sz="1600" dirty="0"/>
+              <a:t>Version</a:t>
+            </a:r>
+          </a:p>
+          <a:p>
+            <a:pPr>
+              <a:buNone/>
+            </a:pPr>
+            <a:r>
+              <a:rPr lang="en-GB" sz="1600" dirty="0"/>
+              <a:t>	Administration</a:t>
+            </a:r>
+            <a:endParaRPr lang="nl-NL" sz="2000" dirty="0"/>
+          </a:p>
+          <a:p>
+            <a:pPr marL="342900" indent="-342900"/>
+            <a:r>
+              <a:rPr lang="en-GB" sz="2000" dirty="0"/>
+              <a:t>R</a:t>
+            </a:r>
+            <a:r>
+              <a:rPr lang="nl-NL" sz="2000" dirty="0" err="1"/>
+              <a:t>estore</a:t>
+            </a:r>
+            <a:endParaRPr lang="en" sz="2000" dirty="0"/>
           </a:p>
         </p:txBody>
       </p:sp>
@@ -6883,7 +6921,7 @@
         </p:blipFill>
         <p:spPr>
           <a:xfrm flipH="1">
-            <a:off x="3792118" y="1013693"/>
+            <a:off x="3792117" y="1025175"/>
             <a:ext cx="6279900" cy="3532800"/>
           </a:xfrm>
           <a:prstGeom prst="parallelogram">
@@ -9814,10 +9852,9 @@
               </a:spcBef>
             </a:pPr>
             <a:r>
-              <a:rPr lang="en-US" dirty="0" err="1"/>
-              <a:t>Installationprocedures</a:t>
+              <a:rPr lang="en-US" dirty="0"/>
+              <a:t>Installation procedures</a:t>
             </a:r>
-            <a:endParaRPr lang="en-US" dirty="0"/>
           </a:p>
           <a:p>
             <a:pPr marL="457200" lvl="0" indent="-228600" rtl="0">
@@ -9827,13 +9864,8 @@
             </a:pPr>
             <a:r>
               <a:rPr lang="en-US" dirty="0"/>
-              <a:t>Incident </a:t>
+              <a:t>Incident handling</a:t>
             </a:r>
-            <a:r>
-              <a:rPr lang="en-US" dirty="0" err="1"/>
-              <a:t>handeling</a:t>
-            </a:r>
-            <a:endParaRPr lang="en-US" dirty="0"/>
           </a:p>
           <a:p>
             <a:pPr marL="457200" lvl="0" indent="-228600" rtl="0">
